--- a/navimeshtest/bin/Debug/寻径.pptx
+++ b/navimeshtest/bin/Debug/寻径.pptx
@@ -4435,11 +4435,7 @@
             </a:r>
             <a:r>
               <a:rPr lang="zh-CN" altLang="en-US" smtClean="0"/>
-              <a:t>的</a:t>
-            </a:r>
-            <a:r>
-              <a:rPr lang="zh-CN" altLang="en-US" smtClean="0"/>
-              <a:t>改善。</a:t>
+              <a:t>的改善。</a:t>
             </a:r>
             <a:endParaRPr lang="zh-CN" altLang="en-US" dirty="0"/>
           </a:p>
@@ -4673,15 +4669,27 @@
             </a:r>
             <a:r>
               <a:rPr lang="zh-CN" altLang="en-US" dirty="0" smtClean="0"/>
-              <a:t>导航都是使用同一个开源的软件库，名叫</a:t>
+              <a:t>导航都是使用同一个开源的软件库，名</a:t>
+            </a:r>
+            <a:r>
+              <a:rPr lang="zh-CN" altLang="en-US" dirty="0" smtClean="0"/>
+              <a:t>叫</a:t>
             </a:r>
             <a:r>
               <a:rPr lang="en-US" altLang="zh-CN" dirty="0" err="1" smtClean="0"/>
-              <a:t>RecastMeshNavigation</a:t>
-            </a:r>
-            <a:r>
-              <a:rPr lang="zh-CN" altLang="en-US" dirty="0" smtClean="0"/>
-              <a:t>，然后从</a:t>
+              <a:t>R</a:t>
+            </a:r>
+            <a:r>
+              <a:rPr lang="en-US" altLang="zh-CN" dirty="0" err="1" smtClean="0"/>
+              <a:t>ecastNavigation</a:t>
+            </a:r>
+            <a:r>
+              <a:rPr lang="zh-CN" altLang="en-US" dirty="0" smtClean="0"/>
+              <a:t>，</a:t>
+            </a:r>
+            <a:r>
+              <a:rPr lang="zh-CN" altLang="en-US" dirty="0" smtClean="0"/>
+              <a:t>然后从</a:t>
             </a:r>
             <a:r>
               <a:rPr lang="en-US" altLang="zh-CN" dirty="0" err="1" smtClean="0"/>
